--- a/C/流程图.pptx
+++ b/C/流程图.pptx
@@ -11,6 +11,7 @@
     <p:sldId id="259" r:id="rId5"/>
     <p:sldId id="260" r:id="rId6"/>
     <p:sldId id="261" r:id="rId7"/>
+    <p:sldId id="262" r:id="rId8"/>
   </p:sldIdLst>
   <p:sldSz cx="12995275" cy="14508163"/>
   <p:notesSz cx="6858000" cy="9144000"/>
@@ -11132,6 +11133,1259 @@
 </p:sld>
 </file>
 
+<file path=ppt/slides/slide7.xml><?xml version="1.0" encoding="utf-8"?>
+<p:sld xmlns:a="http://schemas.openxmlformats.org/drawingml/2006/main" xmlns:r="http://schemas.openxmlformats.org/officeDocument/2006/relationships" xmlns:p="http://schemas.openxmlformats.org/presentationml/2006/main">
+  <p:cSld>
+    <p:spTree>
+      <p:nvGrpSpPr>
+        <p:cNvPr id="1" name=""/>
+        <p:cNvGrpSpPr/>
+        <p:nvPr/>
+      </p:nvGrpSpPr>
+      <p:grpSpPr>
+        <a:xfrm>
+          <a:off x="0" y="0"/>
+          <a:ext cx="0" cy="0"/>
+          <a:chOff x="0" y="0"/>
+          <a:chExt cx="0" cy="0"/>
+        </a:xfrm>
+      </p:grpSpPr>
+      <p:sp>
+        <p:nvSpPr>
+          <p:cNvPr id="4" name="流程图: 可选过程 3"/>
+          <p:cNvSpPr/>
+          <p:nvPr/>
+        </p:nvSpPr>
+        <p:spPr>
+          <a:xfrm>
+            <a:off x="5285232" y="182880"/>
+            <a:ext cx="1243584" cy="932688"/>
+          </a:xfrm>
+          <a:prstGeom prst="flowChartAlternateProcess">
+            <a:avLst/>
+          </a:prstGeom>
+        </p:spPr>
+        <p:style>
+          <a:lnRef idx="2">
+            <a:schemeClr val="accent1">
+              <a:shade val="50000"/>
+            </a:schemeClr>
+          </a:lnRef>
+          <a:fillRef idx="1">
+            <a:schemeClr val="accent1"/>
+          </a:fillRef>
+          <a:effectRef idx="0">
+            <a:schemeClr val="accent1"/>
+          </a:effectRef>
+          <a:fontRef idx="minor">
+            <a:schemeClr val="lt1"/>
+          </a:fontRef>
+        </p:style>
+        <p:txBody>
+          <a:bodyPr rtlCol="0" anchor="ctr"/>
+          <a:lstStyle/>
+          <a:p>
+            <a:pPr algn="ctr"/>
+            <a:r>
+              <a:rPr lang="zh-CN" altLang="en-US" dirty="0" smtClean="0"/>
+              <a:t>进入</a:t>
+            </a:r>
+            <a:r>
+              <a:rPr lang="en-US" altLang="zh-CN" dirty="0" smtClean="0"/>
+              <a:t>capitalize()</a:t>
+            </a:r>
+            <a:r>
+              <a:rPr lang="zh-CN" altLang="en-US" dirty="0" smtClean="0"/>
+              <a:t>函数</a:t>
+            </a:r>
+            <a:endParaRPr lang="zh-CN" altLang="en-US" dirty="0"/>
+          </a:p>
+        </p:txBody>
+      </p:sp>
+      <p:sp>
+        <p:nvSpPr>
+          <p:cNvPr id="5" name="流程图: 决策 4"/>
+          <p:cNvSpPr/>
+          <p:nvPr/>
+        </p:nvSpPr>
+        <p:spPr>
+          <a:xfrm>
+            <a:off x="4741164" y="1572768"/>
+            <a:ext cx="2331720" cy="1060704"/>
+          </a:xfrm>
+          <a:prstGeom prst="flowChartDecision">
+            <a:avLst/>
+          </a:prstGeom>
+        </p:spPr>
+        <p:style>
+          <a:lnRef idx="2">
+            <a:schemeClr val="accent1">
+              <a:shade val="50000"/>
+            </a:schemeClr>
+          </a:lnRef>
+          <a:fillRef idx="1">
+            <a:schemeClr val="accent1"/>
+          </a:fillRef>
+          <a:effectRef idx="0">
+            <a:schemeClr val="accent1"/>
+          </a:effectRef>
+          <a:fontRef idx="minor">
+            <a:schemeClr val="lt1"/>
+          </a:fontRef>
+        </p:style>
+        <p:txBody>
+          <a:bodyPr rtlCol="0" anchor="ctr"/>
+          <a:lstStyle/>
+          <a:p>
+            <a:pPr algn="ctr"/>
+            <a:r>
+              <a:rPr lang="zh-CN" altLang="en-US" dirty="0" smtClean="0"/>
+              <a:t>是否为空字符串？</a:t>
+            </a:r>
+            <a:endParaRPr lang="zh-CN" altLang="en-US" dirty="0"/>
+          </a:p>
+        </p:txBody>
+      </p:sp>
+      <p:cxnSp>
+        <p:nvCxnSpPr>
+          <p:cNvPr id="7" name="直接箭头连接符 6"/>
+          <p:cNvCxnSpPr>
+            <a:stCxn id="4" idx="2"/>
+            <a:endCxn id="5" idx="0"/>
+          </p:cNvCxnSpPr>
+          <p:nvPr/>
+        </p:nvCxnSpPr>
+        <p:spPr>
+          <a:xfrm>
+            <a:off x="5907024" y="1115568"/>
+            <a:ext cx="0" cy="457200"/>
+          </a:xfrm>
+          <a:prstGeom prst="straightConnector1">
+            <a:avLst/>
+          </a:prstGeom>
+          <a:ln>
+            <a:tailEnd type="triangle"/>
+          </a:ln>
+        </p:spPr>
+        <p:style>
+          <a:lnRef idx="1">
+            <a:schemeClr val="accent1"/>
+          </a:lnRef>
+          <a:fillRef idx="0">
+            <a:schemeClr val="accent1"/>
+          </a:fillRef>
+          <a:effectRef idx="0">
+            <a:schemeClr val="accent1"/>
+          </a:effectRef>
+          <a:fontRef idx="minor">
+            <a:schemeClr val="tx1"/>
+          </a:fontRef>
+        </p:style>
+      </p:cxnSp>
+      <p:sp>
+        <p:nvSpPr>
+          <p:cNvPr id="8" name="圆角矩形 7"/>
+          <p:cNvSpPr/>
+          <p:nvPr/>
+        </p:nvSpPr>
+        <p:spPr>
+          <a:xfrm>
+            <a:off x="1426464" y="13035772"/>
+            <a:ext cx="841248" cy="731520"/>
+          </a:xfrm>
+          <a:prstGeom prst="roundRect">
+            <a:avLst/>
+          </a:prstGeom>
+        </p:spPr>
+        <p:style>
+          <a:lnRef idx="2">
+            <a:schemeClr val="accent1">
+              <a:shade val="50000"/>
+            </a:schemeClr>
+          </a:lnRef>
+          <a:fillRef idx="1">
+            <a:schemeClr val="accent1"/>
+          </a:fillRef>
+          <a:effectRef idx="0">
+            <a:schemeClr val="accent1"/>
+          </a:effectRef>
+          <a:fontRef idx="minor">
+            <a:schemeClr val="lt1"/>
+          </a:fontRef>
+        </p:style>
+        <p:txBody>
+          <a:bodyPr rtlCol="0" anchor="ctr"/>
+          <a:lstStyle/>
+          <a:p>
+            <a:pPr algn="ctr"/>
+            <a:r>
+              <a:rPr lang="zh-CN" altLang="en-US" dirty="0" smtClean="0"/>
+              <a:t>退出函数</a:t>
+            </a:r>
+            <a:endParaRPr lang="zh-CN" altLang="en-US" dirty="0"/>
+          </a:p>
+        </p:txBody>
+      </p:sp>
+      <p:sp>
+        <p:nvSpPr>
+          <p:cNvPr id="11" name="文本框 10"/>
+          <p:cNvSpPr txBox="1"/>
+          <p:nvPr/>
+        </p:nvSpPr>
+        <p:spPr>
+          <a:xfrm>
+            <a:off x="4228522" y="1733788"/>
+            <a:ext cx="512641" cy="369332"/>
+          </a:xfrm>
+          <a:prstGeom prst="rect">
+            <a:avLst/>
+          </a:prstGeom>
+          <a:noFill/>
+        </p:spPr>
+        <p:txBody>
+          <a:bodyPr wrap="none" rtlCol="0">
+            <a:spAutoFit/>
+          </a:bodyPr>
+          <a:lstStyle/>
+          <a:p>
+            <a:r>
+              <a:rPr lang="en-US" altLang="zh-CN" dirty="0"/>
+              <a:t>YES</a:t>
+            </a:r>
+            <a:endParaRPr lang="zh-CN" altLang="en-US" dirty="0"/>
+          </a:p>
+        </p:txBody>
+      </p:sp>
+      <p:sp>
+        <p:nvSpPr>
+          <p:cNvPr id="12" name="流程图: 决策 11"/>
+          <p:cNvSpPr/>
+          <p:nvPr/>
+        </p:nvSpPr>
+        <p:spPr>
+          <a:xfrm>
+            <a:off x="4430268" y="3090672"/>
+            <a:ext cx="2953512" cy="1335024"/>
+          </a:xfrm>
+          <a:prstGeom prst="flowChartDecision">
+            <a:avLst/>
+          </a:prstGeom>
+        </p:spPr>
+        <p:style>
+          <a:lnRef idx="2">
+            <a:schemeClr val="accent1">
+              <a:shade val="50000"/>
+            </a:schemeClr>
+          </a:lnRef>
+          <a:fillRef idx="1">
+            <a:schemeClr val="accent1"/>
+          </a:fillRef>
+          <a:effectRef idx="0">
+            <a:schemeClr val="accent1"/>
+          </a:effectRef>
+          <a:fontRef idx="minor">
+            <a:schemeClr val="lt1"/>
+          </a:fontRef>
+        </p:style>
+        <p:txBody>
+          <a:bodyPr rtlCol="0" anchor="ctr"/>
+          <a:lstStyle/>
+          <a:p>
+            <a:pPr algn="ctr"/>
+            <a:r>
+              <a:rPr lang="zh-CN" altLang="en-US" dirty="0" smtClean="0"/>
+              <a:t>第一个字符是否是小写字符？</a:t>
+            </a:r>
+            <a:endParaRPr lang="zh-CN" altLang="en-US" dirty="0"/>
+          </a:p>
+        </p:txBody>
+      </p:sp>
+      <p:cxnSp>
+        <p:nvCxnSpPr>
+          <p:cNvPr id="16" name="直接箭头连接符 15"/>
+          <p:cNvCxnSpPr>
+            <a:stCxn id="5" idx="2"/>
+            <a:endCxn id="12" idx="0"/>
+          </p:cNvCxnSpPr>
+          <p:nvPr/>
+        </p:nvCxnSpPr>
+        <p:spPr>
+          <a:xfrm>
+            <a:off x="5907024" y="2633472"/>
+            <a:ext cx="0" cy="457200"/>
+          </a:xfrm>
+          <a:prstGeom prst="straightConnector1">
+            <a:avLst/>
+          </a:prstGeom>
+          <a:ln>
+            <a:tailEnd type="triangle"/>
+          </a:ln>
+        </p:spPr>
+        <p:style>
+          <a:lnRef idx="1">
+            <a:schemeClr val="accent1"/>
+          </a:lnRef>
+          <a:fillRef idx="0">
+            <a:schemeClr val="accent1"/>
+          </a:fillRef>
+          <a:effectRef idx="0">
+            <a:schemeClr val="accent1"/>
+          </a:effectRef>
+          <a:fontRef idx="minor">
+            <a:schemeClr val="tx1"/>
+          </a:fontRef>
+        </p:style>
+      </p:cxnSp>
+      <p:sp>
+        <p:nvSpPr>
+          <p:cNvPr id="17" name="文本框 16"/>
+          <p:cNvSpPr txBox="1"/>
+          <p:nvPr/>
+        </p:nvSpPr>
+        <p:spPr>
+          <a:xfrm>
+            <a:off x="5987922" y="2633472"/>
+            <a:ext cx="486030" cy="369332"/>
+          </a:xfrm>
+          <a:prstGeom prst="rect">
+            <a:avLst/>
+          </a:prstGeom>
+          <a:noFill/>
+        </p:spPr>
+        <p:txBody>
+          <a:bodyPr wrap="none" rtlCol="0">
+            <a:spAutoFit/>
+          </a:bodyPr>
+          <a:lstStyle/>
+          <a:p>
+            <a:r>
+              <a:rPr lang="en-US" altLang="zh-CN" dirty="0" smtClean="0"/>
+              <a:t>NO</a:t>
+            </a:r>
+            <a:endParaRPr lang="zh-CN" altLang="en-US" dirty="0"/>
+          </a:p>
+        </p:txBody>
+      </p:sp>
+      <p:sp>
+        <p:nvSpPr>
+          <p:cNvPr id="26" name="矩形 25"/>
+          <p:cNvSpPr/>
+          <p:nvPr/>
+        </p:nvSpPr>
+        <p:spPr>
+          <a:xfrm>
+            <a:off x="3081528" y="4672584"/>
+            <a:ext cx="1197864" cy="466344"/>
+          </a:xfrm>
+          <a:prstGeom prst="rect">
+            <a:avLst/>
+          </a:prstGeom>
+        </p:spPr>
+        <p:style>
+          <a:lnRef idx="2">
+            <a:schemeClr val="accent1">
+              <a:shade val="50000"/>
+            </a:schemeClr>
+          </a:lnRef>
+          <a:fillRef idx="1">
+            <a:schemeClr val="accent1"/>
+          </a:fillRef>
+          <a:effectRef idx="0">
+            <a:schemeClr val="accent1"/>
+          </a:effectRef>
+          <a:fontRef idx="minor">
+            <a:schemeClr val="lt1"/>
+          </a:fontRef>
+        </p:style>
+        <p:txBody>
+          <a:bodyPr rtlCol="0" anchor="ctr"/>
+          <a:lstStyle/>
+          <a:p>
+            <a:pPr algn="ctr"/>
+            <a:r>
+              <a:rPr lang="zh-CN" altLang="en-US" dirty="0" smtClean="0"/>
+              <a:t>改为大写</a:t>
+            </a:r>
+            <a:endParaRPr lang="zh-CN" altLang="en-US" dirty="0"/>
+          </a:p>
+        </p:txBody>
+      </p:sp>
+      <p:cxnSp>
+        <p:nvCxnSpPr>
+          <p:cNvPr id="30" name="肘形连接符 29"/>
+          <p:cNvCxnSpPr>
+            <a:stCxn id="12" idx="1"/>
+            <a:endCxn id="26" idx="0"/>
+          </p:cNvCxnSpPr>
+          <p:nvPr/>
+        </p:nvCxnSpPr>
+        <p:spPr>
+          <a:xfrm rot="10800000" flipV="1">
+            <a:off x="3680460" y="3758184"/>
+            <a:ext cx="749808" cy="914400"/>
+          </a:xfrm>
+          <a:prstGeom prst="bentConnector2">
+            <a:avLst/>
+          </a:prstGeom>
+          <a:ln>
+            <a:tailEnd type="triangle"/>
+          </a:ln>
+        </p:spPr>
+        <p:style>
+          <a:lnRef idx="1">
+            <a:schemeClr val="accent1"/>
+          </a:lnRef>
+          <a:fillRef idx="0">
+            <a:schemeClr val="accent1"/>
+          </a:fillRef>
+          <a:effectRef idx="0">
+            <a:schemeClr val="accent1"/>
+          </a:effectRef>
+          <a:fontRef idx="minor">
+            <a:schemeClr val="tx1"/>
+          </a:fontRef>
+        </p:style>
+      </p:cxnSp>
+      <p:sp>
+        <p:nvSpPr>
+          <p:cNvPr id="31" name="文本框 30"/>
+          <p:cNvSpPr txBox="1"/>
+          <p:nvPr/>
+        </p:nvSpPr>
+        <p:spPr>
+          <a:xfrm>
+            <a:off x="3917627" y="3388852"/>
+            <a:ext cx="512641" cy="369332"/>
+          </a:xfrm>
+          <a:prstGeom prst="rect">
+            <a:avLst/>
+          </a:prstGeom>
+          <a:noFill/>
+        </p:spPr>
+        <p:txBody>
+          <a:bodyPr wrap="none" rtlCol="0">
+            <a:spAutoFit/>
+          </a:bodyPr>
+          <a:lstStyle/>
+          <a:p>
+            <a:r>
+              <a:rPr lang="en-US" altLang="zh-CN" dirty="0" smtClean="0"/>
+              <a:t>YES</a:t>
+            </a:r>
+            <a:endParaRPr lang="zh-CN" altLang="en-US" dirty="0"/>
+          </a:p>
+        </p:txBody>
+      </p:sp>
+      <p:sp>
+        <p:nvSpPr>
+          <p:cNvPr id="32" name="矩形 31"/>
+          <p:cNvSpPr/>
+          <p:nvPr/>
+        </p:nvSpPr>
+        <p:spPr>
+          <a:xfrm>
+            <a:off x="5351526" y="5596128"/>
+            <a:ext cx="1110996" cy="713232"/>
+          </a:xfrm>
+          <a:prstGeom prst="rect">
+            <a:avLst/>
+          </a:prstGeom>
+        </p:spPr>
+        <p:style>
+          <a:lnRef idx="2">
+            <a:schemeClr val="accent1">
+              <a:shade val="50000"/>
+            </a:schemeClr>
+          </a:lnRef>
+          <a:fillRef idx="1">
+            <a:schemeClr val="accent1"/>
+          </a:fillRef>
+          <a:effectRef idx="0">
+            <a:schemeClr val="accent1"/>
+          </a:effectRef>
+          <a:fontRef idx="minor">
+            <a:schemeClr val="lt1"/>
+          </a:fontRef>
+        </p:style>
+        <p:txBody>
+          <a:bodyPr rtlCol="0" anchor="ctr"/>
+          <a:lstStyle/>
+          <a:p>
+            <a:pPr algn="ctr"/>
+            <a:r>
+              <a:rPr lang="zh-CN" altLang="en-US" dirty="0" smtClean="0"/>
+              <a:t>指向下一个字符</a:t>
+            </a:r>
+            <a:endParaRPr lang="zh-CN" altLang="en-US" dirty="0"/>
+          </a:p>
+        </p:txBody>
+      </p:sp>
+      <p:cxnSp>
+        <p:nvCxnSpPr>
+          <p:cNvPr id="34" name="直接箭头连接符 33"/>
+          <p:cNvCxnSpPr>
+            <a:stCxn id="12" idx="2"/>
+            <a:endCxn id="32" idx="0"/>
+          </p:cNvCxnSpPr>
+          <p:nvPr/>
+        </p:nvCxnSpPr>
+        <p:spPr>
+          <a:xfrm>
+            <a:off x="5907024" y="4425696"/>
+            <a:ext cx="0" cy="1170432"/>
+          </a:xfrm>
+          <a:prstGeom prst="straightConnector1">
+            <a:avLst/>
+          </a:prstGeom>
+          <a:ln>
+            <a:tailEnd type="triangle"/>
+          </a:ln>
+        </p:spPr>
+        <p:style>
+          <a:lnRef idx="1">
+            <a:schemeClr val="accent1"/>
+          </a:lnRef>
+          <a:fillRef idx="0">
+            <a:schemeClr val="accent1"/>
+          </a:fillRef>
+          <a:effectRef idx="0">
+            <a:schemeClr val="accent1"/>
+          </a:effectRef>
+          <a:fontRef idx="minor">
+            <a:schemeClr val="tx1"/>
+          </a:fontRef>
+        </p:style>
+      </p:cxnSp>
+      <p:cxnSp>
+        <p:nvCxnSpPr>
+          <p:cNvPr id="36" name="肘形连接符 35"/>
+          <p:cNvCxnSpPr>
+            <a:stCxn id="26" idx="2"/>
+          </p:cNvCxnSpPr>
+          <p:nvPr/>
+        </p:nvCxnSpPr>
+        <p:spPr>
+          <a:xfrm rot="16200000" flipH="1">
+            <a:off x="4695444" y="4123944"/>
+            <a:ext cx="192024" cy="2221992"/>
+          </a:xfrm>
+          <a:prstGeom prst="bentConnector2">
+            <a:avLst/>
+          </a:prstGeom>
+          <a:ln>
+            <a:tailEnd type="triangle"/>
+          </a:ln>
+        </p:spPr>
+        <p:style>
+          <a:lnRef idx="1">
+            <a:schemeClr val="accent1"/>
+          </a:lnRef>
+          <a:fillRef idx="0">
+            <a:schemeClr val="accent1"/>
+          </a:fillRef>
+          <a:effectRef idx="0">
+            <a:schemeClr val="accent1"/>
+          </a:effectRef>
+          <a:fontRef idx="minor">
+            <a:schemeClr val="tx1"/>
+          </a:fontRef>
+        </p:style>
+      </p:cxnSp>
+      <p:sp>
+        <p:nvSpPr>
+          <p:cNvPr id="37" name="文本框 36"/>
+          <p:cNvSpPr txBox="1"/>
+          <p:nvPr/>
+        </p:nvSpPr>
+        <p:spPr>
+          <a:xfrm>
+            <a:off x="5902452" y="4415764"/>
+            <a:ext cx="486030" cy="369332"/>
+          </a:xfrm>
+          <a:prstGeom prst="rect">
+            <a:avLst/>
+          </a:prstGeom>
+          <a:noFill/>
+        </p:spPr>
+        <p:txBody>
+          <a:bodyPr wrap="none" rtlCol="0">
+            <a:spAutoFit/>
+          </a:bodyPr>
+          <a:lstStyle/>
+          <a:p>
+            <a:r>
+              <a:rPr lang="en-US" altLang="zh-CN" dirty="0" smtClean="0"/>
+              <a:t>NO</a:t>
+            </a:r>
+            <a:endParaRPr lang="zh-CN" altLang="en-US" dirty="0"/>
+          </a:p>
+        </p:txBody>
+      </p:sp>
+      <p:sp>
+        <p:nvSpPr>
+          <p:cNvPr id="39" name="流程图: 决策 38"/>
+          <p:cNvSpPr/>
+          <p:nvPr/>
+        </p:nvSpPr>
+        <p:spPr>
+          <a:xfrm>
+            <a:off x="4687443" y="8632936"/>
+            <a:ext cx="2439162" cy="1408176"/>
+          </a:xfrm>
+          <a:prstGeom prst="flowChartDecision">
+            <a:avLst/>
+          </a:prstGeom>
+        </p:spPr>
+        <p:style>
+          <a:lnRef idx="2">
+            <a:schemeClr val="accent1">
+              <a:shade val="50000"/>
+            </a:schemeClr>
+          </a:lnRef>
+          <a:fillRef idx="1">
+            <a:schemeClr val="accent1"/>
+          </a:fillRef>
+          <a:effectRef idx="0">
+            <a:schemeClr val="accent1"/>
+          </a:effectRef>
+          <a:fontRef idx="minor">
+            <a:schemeClr val="lt1"/>
+          </a:fontRef>
+        </p:style>
+        <p:txBody>
+          <a:bodyPr rtlCol="0" anchor="ctr"/>
+          <a:lstStyle/>
+          <a:p>
+            <a:pPr algn="ctr"/>
+            <a:r>
+              <a:rPr lang="zh-CN" altLang="en-US" dirty="0" smtClean="0"/>
+              <a:t>前一个字符是否是空格？</a:t>
+            </a:r>
+            <a:endParaRPr lang="zh-CN" altLang="en-US" dirty="0"/>
+          </a:p>
+        </p:txBody>
+      </p:sp>
+      <p:sp>
+        <p:nvSpPr>
+          <p:cNvPr id="40" name="流程图: 决策 39"/>
+          <p:cNvSpPr/>
+          <p:nvPr/>
+        </p:nvSpPr>
+        <p:spPr>
+          <a:xfrm>
+            <a:off x="4631436" y="10402300"/>
+            <a:ext cx="2560320" cy="1298448"/>
+          </a:xfrm>
+          <a:prstGeom prst="flowChartDecision">
+            <a:avLst/>
+          </a:prstGeom>
+        </p:spPr>
+        <p:style>
+          <a:lnRef idx="2">
+            <a:schemeClr val="accent1">
+              <a:shade val="50000"/>
+            </a:schemeClr>
+          </a:lnRef>
+          <a:fillRef idx="1">
+            <a:schemeClr val="accent1"/>
+          </a:fillRef>
+          <a:effectRef idx="0">
+            <a:schemeClr val="accent1"/>
+          </a:effectRef>
+          <a:fontRef idx="minor">
+            <a:schemeClr val="lt1"/>
+          </a:fontRef>
+        </p:style>
+        <p:txBody>
+          <a:bodyPr rtlCol="0" anchor="ctr"/>
+          <a:lstStyle/>
+          <a:p>
+            <a:pPr algn="ctr"/>
+            <a:r>
+              <a:rPr lang="zh-CN" altLang="en-US" dirty="0" smtClean="0"/>
+              <a:t>当前字符是否是小写字母？</a:t>
+            </a:r>
+            <a:endParaRPr lang="zh-CN" altLang="en-US" dirty="0"/>
+          </a:p>
+        </p:txBody>
+      </p:sp>
+      <p:cxnSp>
+        <p:nvCxnSpPr>
+          <p:cNvPr id="44" name="直接箭头连接符 43"/>
+          <p:cNvCxnSpPr>
+            <a:stCxn id="39" idx="2"/>
+            <a:endCxn id="40" idx="0"/>
+          </p:cNvCxnSpPr>
+          <p:nvPr/>
+        </p:nvCxnSpPr>
+        <p:spPr>
+          <a:xfrm>
+            <a:off x="5907024" y="10041112"/>
+            <a:ext cx="4572" cy="361188"/>
+          </a:xfrm>
+          <a:prstGeom prst="straightConnector1">
+            <a:avLst/>
+          </a:prstGeom>
+          <a:ln>
+            <a:tailEnd type="triangle"/>
+          </a:ln>
+        </p:spPr>
+        <p:style>
+          <a:lnRef idx="1">
+            <a:schemeClr val="accent1"/>
+          </a:lnRef>
+          <a:fillRef idx="0">
+            <a:schemeClr val="accent1"/>
+          </a:fillRef>
+          <a:effectRef idx="0">
+            <a:schemeClr val="accent1"/>
+          </a:effectRef>
+          <a:fontRef idx="minor">
+            <a:schemeClr val="tx1"/>
+          </a:fontRef>
+        </p:style>
+      </p:cxnSp>
+      <p:sp>
+        <p:nvSpPr>
+          <p:cNvPr id="45" name="矩形 44"/>
+          <p:cNvSpPr/>
+          <p:nvPr/>
+        </p:nvSpPr>
+        <p:spPr>
+          <a:xfrm>
+            <a:off x="5257800" y="12121372"/>
+            <a:ext cx="1298448" cy="493776"/>
+          </a:xfrm>
+          <a:prstGeom prst="rect">
+            <a:avLst/>
+          </a:prstGeom>
+        </p:spPr>
+        <p:style>
+          <a:lnRef idx="2">
+            <a:schemeClr val="accent1">
+              <a:shade val="50000"/>
+            </a:schemeClr>
+          </a:lnRef>
+          <a:fillRef idx="1">
+            <a:schemeClr val="accent1"/>
+          </a:fillRef>
+          <a:effectRef idx="0">
+            <a:schemeClr val="accent1"/>
+          </a:effectRef>
+          <a:fontRef idx="minor">
+            <a:schemeClr val="lt1"/>
+          </a:fontRef>
+        </p:style>
+        <p:txBody>
+          <a:bodyPr rtlCol="0" anchor="ctr"/>
+          <a:lstStyle/>
+          <a:p>
+            <a:pPr algn="ctr"/>
+            <a:r>
+              <a:rPr lang="zh-CN" altLang="en-US" dirty="0" smtClean="0"/>
+              <a:t>改为大写</a:t>
+            </a:r>
+            <a:endParaRPr lang="zh-CN" altLang="en-US" dirty="0"/>
+          </a:p>
+        </p:txBody>
+      </p:sp>
+      <p:cxnSp>
+        <p:nvCxnSpPr>
+          <p:cNvPr id="52" name="直接箭头连接符 51"/>
+          <p:cNvCxnSpPr>
+            <a:stCxn id="40" idx="2"/>
+            <a:endCxn id="45" idx="0"/>
+          </p:cNvCxnSpPr>
+          <p:nvPr/>
+        </p:nvCxnSpPr>
+        <p:spPr>
+          <a:xfrm flipH="1">
+            <a:off x="5907024" y="11700748"/>
+            <a:ext cx="4572" cy="420624"/>
+          </a:xfrm>
+          <a:prstGeom prst="straightConnector1">
+            <a:avLst/>
+          </a:prstGeom>
+          <a:ln>
+            <a:tailEnd type="triangle"/>
+          </a:ln>
+        </p:spPr>
+        <p:style>
+          <a:lnRef idx="1">
+            <a:schemeClr val="accent1"/>
+          </a:lnRef>
+          <a:fillRef idx="0">
+            <a:schemeClr val="accent1"/>
+          </a:fillRef>
+          <a:effectRef idx="0">
+            <a:schemeClr val="accent1"/>
+          </a:effectRef>
+          <a:fontRef idx="minor">
+            <a:schemeClr val="tx1"/>
+          </a:fontRef>
+        </p:style>
+      </p:cxnSp>
+      <p:sp>
+        <p:nvSpPr>
+          <p:cNvPr id="53" name="文本框 52"/>
+          <p:cNvSpPr txBox="1"/>
+          <p:nvPr/>
+        </p:nvSpPr>
+        <p:spPr>
+          <a:xfrm>
+            <a:off x="5907024" y="11700748"/>
+            <a:ext cx="512641" cy="369332"/>
+          </a:xfrm>
+          <a:prstGeom prst="rect">
+            <a:avLst/>
+          </a:prstGeom>
+          <a:noFill/>
+        </p:spPr>
+        <p:txBody>
+          <a:bodyPr wrap="none" rtlCol="0">
+            <a:spAutoFit/>
+          </a:bodyPr>
+          <a:lstStyle/>
+          <a:p>
+            <a:r>
+              <a:rPr lang="en-US" altLang="zh-CN" dirty="0" smtClean="0"/>
+              <a:t>YES</a:t>
+            </a:r>
+            <a:endParaRPr lang="zh-CN" altLang="en-US" dirty="0"/>
+          </a:p>
+        </p:txBody>
+      </p:sp>
+      <p:sp>
+        <p:nvSpPr>
+          <p:cNvPr id="54" name="文本框 53"/>
+          <p:cNvSpPr txBox="1"/>
+          <p:nvPr/>
+        </p:nvSpPr>
+        <p:spPr>
+          <a:xfrm>
+            <a:off x="5907024" y="10039326"/>
+            <a:ext cx="512641" cy="369332"/>
+          </a:xfrm>
+          <a:prstGeom prst="rect">
+            <a:avLst/>
+          </a:prstGeom>
+          <a:noFill/>
+        </p:spPr>
+        <p:txBody>
+          <a:bodyPr wrap="none" rtlCol="0">
+            <a:spAutoFit/>
+          </a:bodyPr>
+          <a:lstStyle/>
+          <a:p>
+            <a:r>
+              <a:rPr lang="en-US" altLang="zh-CN" dirty="0" smtClean="0"/>
+              <a:t>YES</a:t>
+            </a:r>
+            <a:endParaRPr lang="zh-CN" altLang="en-US" dirty="0"/>
+          </a:p>
+        </p:txBody>
+      </p:sp>
+      <p:sp>
+        <p:nvSpPr>
+          <p:cNvPr id="57" name="流程图: 决策 56"/>
+          <p:cNvSpPr/>
+          <p:nvPr/>
+        </p:nvSpPr>
+        <p:spPr>
+          <a:xfrm>
+            <a:off x="4426839" y="6653260"/>
+            <a:ext cx="2951226" cy="1512332"/>
+          </a:xfrm>
+          <a:prstGeom prst="flowChartDecision">
+            <a:avLst/>
+          </a:prstGeom>
+        </p:spPr>
+        <p:style>
+          <a:lnRef idx="2">
+            <a:schemeClr val="accent1">
+              <a:shade val="50000"/>
+            </a:schemeClr>
+          </a:lnRef>
+          <a:fillRef idx="1">
+            <a:schemeClr val="accent1"/>
+          </a:fillRef>
+          <a:effectRef idx="0">
+            <a:schemeClr val="accent1"/>
+          </a:effectRef>
+          <a:fontRef idx="minor">
+            <a:schemeClr val="lt1"/>
+          </a:fontRef>
+        </p:style>
+        <p:txBody>
+          <a:bodyPr rtlCol="0" anchor="ctr"/>
+          <a:lstStyle/>
+          <a:p>
+            <a:pPr algn="ctr"/>
+            <a:r>
+              <a:rPr lang="zh-CN" altLang="en-US" dirty="0" smtClean="0"/>
+              <a:t>当前字符是否为字符串结束符</a:t>
+            </a:r>
+            <a:r>
+              <a:rPr lang="en-US" altLang="zh-CN" dirty="0" smtClean="0"/>
+              <a:t>’\0’</a:t>
+            </a:r>
+            <a:r>
+              <a:rPr lang="zh-CN" altLang="en-US" dirty="0" smtClean="0"/>
+              <a:t>？</a:t>
+            </a:r>
+            <a:endParaRPr lang="zh-CN" altLang="en-US" dirty="0"/>
+          </a:p>
+        </p:txBody>
+      </p:sp>
+      <p:cxnSp>
+        <p:nvCxnSpPr>
+          <p:cNvPr id="59" name="直接箭头连接符 58"/>
+          <p:cNvCxnSpPr>
+            <a:stCxn id="32" idx="2"/>
+            <a:endCxn id="57" idx="0"/>
+          </p:cNvCxnSpPr>
+          <p:nvPr/>
+        </p:nvCxnSpPr>
+        <p:spPr>
+          <a:xfrm flipH="1">
+            <a:off x="5902452" y="6309360"/>
+            <a:ext cx="4572" cy="343900"/>
+          </a:xfrm>
+          <a:prstGeom prst="straightConnector1">
+            <a:avLst/>
+          </a:prstGeom>
+          <a:ln>
+            <a:tailEnd type="triangle"/>
+          </a:ln>
+        </p:spPr>
+        <p:style>
+          <a:lnRef idx="1">
+            <a:schemeClr val="accent1"/>
+          </a:lnRef>
+          <a:fillRef idx="0">
+            <a:schemeClr val="accent1"/>
+          </a:fillRef>
+          <a:effectRef idx="0">
+            <a:schemeClr val="accent1"/>
+          </a:effectRef>
+          <a:fontRef idx="minor">
+            <a:schemeClr val="tx1"/>
+          </a:fontRef>
+        </p:style>
+      </p:cxnSp>
+      <p:sp>
+        <p:nvSpPr>
+          <p:cNvPr id="65" name="文本框 64"/>
+          <p:cNvSpPr txBox="1"/>
+          <p:nvPr/>
+        </p:nvSpPr>
+        <p:spPr>
+          <a:xfrm>
+            <a:off x="4012783" y="7040094"/>
+            <a:ext cx="512641" cy="369332"/>
+          </a:xfrm>
+          <a:prstGeom prst="rect">
+            <a:avLst/>
+          </a:prstGeom>
+          <a:noFill/>
+        </p:spPr>
+        <p:txBody>
+          <a:bodyPr wrap="none" rtlCol="0">
+            <a:spAutoFit/>
+          </a:bodyPr>
+          <a:lstStyle/>
+          <a:p>
+            <a:r>
+              <a:rPr lang="en-US" altLang="zh-CN" dirty="0" smtClean="0"/>
+              <a:t>YES</a:t>
+            </a:r>
+            <a:endParaRPr lang="zh-CN" altLang="en-US" dirty="0"/>
+          </a:p>
+        </p:txBody>
+      </p:sp>
+      <p:cxnSp>
+        <p:nvCxnSpPr>
+          <p:cNvPr id="67" name="直接箭头连接符 66"/>
+          <p:cNvCxnSpPr>
+            <a:stCxn id="57" idx="2"/>
+            <a:endCxn id="39" idx="0"/>
+          </p:cNvCxnSpPr>
+          <p:nvPr/>
+        </p:nvCxnSpPr>
+        <p:spPr>
+          <a:xfrm>
+            <a:off x="5902452" y="8165592"/>
+            <a:ext cx="4572" cy="467344"/>
+          </a:xfrm>
+          <a:prstGeom prst="straightConnector1">
+            <a:avLst/>
+          </a:prstGeom>
+          <a:ln>
+            <a:tailEnd type="triangle"/>
+          </a:ln>
+        </p:spPr>
+        <p:style>
+          <a:lnRef idx="1">
+            <a:schemeClr val="accent1"/>
+          </a:lnRef>
+          <a:fillRef idx="0">
+            <a:schemeClr val="accent1"/>
+          </a:fillRef>
+          <a:effectRef idx="0">
+            <a:schemeClr val="accent1"/>
+          </a:effectRef>
+          <a:fontRef idx="minor">
+            <a:schemeClr val="tx1"/>
+          </a:fontRef>
+        </p:style>
+      </p:cxnSp>
+      <p:sp>
+        <p:nvSpPr>
+          <p:cNvPr id="68" name="文本框 67"/>
+          <p:cNvSpPr txBox="1"/>
+          <p:nvPr/>
+        </p:nvSpPr>
+        <p:spPr>
+          <a:xfrm>
+            <a:off x="5909310" y="8162020"/>
+            <a:ext cx="486030" cy="369332"/>
+          </a:xfrm>
+          <a:prstGeom prst="rect">
+            <a:avLst/>
+          </a:prstGeom>
+          <a:noFill/>
+        </p:spPr>
+        <p:txBody>
+          <a:bodyPr wrap="none" rtlCol="0">
+            <a:spAutoFit/>
+          </a:bodyPr>
+          <a:lstStyle/>
+          <a:p>
+            <a:r>
+              <a:rPr lang="en-US" altLang="zh-CN" dirty="0" smtClean="0"/>
+              <a:t>NO</a:t>
+            </a:r>
+            <a:endParaRPr lang="zh-CN" altLang="en-US" dirty="0"/>
+          </a:p>
+        </p:txBody>
+      </p:sp>
+      <p:cxnSp>
+        <p:nvCxnSpPr>
+          <p:cNvPr id="70" name="肘形连接符 69"/>
+          <p:cNvCxnSpPr>
+            <a:stCxn id="5" idx="1"/>
+            <a:endCxn id="8" idx="0"/>
+          </p:cNvCxnSpPr>
+          <p:nvPr/>
+        </p:nvCxnSpPr>
+        <p:spPr>
+          <a:xfrm rot="10800000" flipV="1">
+            <a:off x="1847088" y="2103120"/>
+            <a:ext cx="2894076" cy="10932652"/>
+          </a:xfrm>
+          <a:prstGeom prst="bentConnector2">
+            <a:avLst/>
+          </a:prstGeom>
+          <a:ln>
+            <a:tailEnd type="triangle"/>
+          </a:ln>
+        </p:spPr>
+        <p:style>
+          <a:lnRef idx="1">
+            <a:schemeClr val="accent1"/>
+          </a:lnRef>
+          <a:fillRef idx="0">
+            <a:schemeClr val="accent1"/>
+          </a:fillRef>
+          <a:effectRef idx="0">
+            <a:schemeClr val="accent1"/>
+          </a:effectRef>
+          <a:fontRef idx="minor">
+            <a:schemeClr val="tx1"/>
+          </a:fontRef>
+        </p:style>
+      </p:cxnSp>
+      <p:cxnSp>
+        <p:nvCxnSpPr>
+          <p:cNvPr id="72" name="直接箭头连接符 71"/>
+          <p:cNvCxnSpPr>
+            <a:stCxn id="57" idx="1"/>
+          </p:cNvCxnSpPr>
+          <p:nvPr/>
+        </p:nvCxnSpPr>
+        <p:spPr>
+          <a:xfrm flipH="1">
+            <a:off x="1847087" y="7409426"/>
+            <a:ext cx="2579752" cy="0"/>
+          </a:xfrm>
+          <a:prstGeom prst="straightConnector1">
+            <a:avLst/>
+          </a:prstGeom>
+          <a:ln>
+            <a:tailEnd type="triangle"/>
+          </a:ln>
+        </p:spPr>
+        <p:style>
+          <a:lnRef idx="1">
+            <a:schemeClr val="accent1"/>
+          </a:lnRef>
+          <a:fillRef idx="0">
+            <a:schemeClr val="accent1"/>
+          </a:fillRef>
+          <a:effectRef idx="0">
+            <a:schemeClr val="accent1"/>
+          </a:effectRef>
+          <a:fontRef idx="minor">
+            <a:schemeClr val="tx1"/>
+          </a:fontRef>
+        </p:style>
+      </p:cxnSp>
+      <p:cxnSp>
+        <p:nvCxnSpPr>
+          <p:cNvPr id="74" name="肘形连接符 73"/>
+          <p:cNvCxnSpPr>
+            <a:stCxn id="40" idx="3"/>
+          </p:cNvCxnSpPr>
+          <p:nvPr/>
+        </p:nvCxnSpPr>
+        <p:spPr>
+          <a:xfrm flipH="1" flipV="1">
+            <a:off x="5909310" y="5330952"/>
+            <a:ext cx="1282446" cy="5720572"/>
+          </a:xfrm>
+          <a:prstGeom prst="bentConnector4">
+            <a:avLst>
+              <a:gd name="adj1" fmla="val -63458"/>
+              <a:gd name="adj2" fmla="val 100111"/>
+            </a:avLst>
+          </a:prstGeom>
+          <a:ln>
+            <a:tailEnd type="triangle"/>
+          </a:ln>
+        </p:spPr>
+        <p:style>
+          <a:lnRef idx="1">
+            <a:schemeClr val="accent1"/>
+          </a:lnRef>
+          <a:fillRef idx="0">
+            <a:schemeClr val="accent1"/>
+          </a:fillRef>
+          <a:effectRef idx="0">
+            <a:schemeClr val="accent1"/>
+          </a:effectRef>
+          <a:fontRef idx="minor">
+            <a:schemeClr val="tx1"/>
+          </a:fontRef>
+        </p:style>
+      </p:cxnSp>
+      <p:cxnSp>
+        <p:nvCxnSpPr>
+          <p:cNvPr id="78" name="直接箭头连接符 77"/>
+          <p:cNvCxnSpPr>
+            <a:stCxn id="39" idx="3"/>
+          </p:cNvCxnSpPr>
+          <p:nvPr/>
+        </p:nvCxnSpPr>
+        <p:spPr>
+          <a:xfrm>
+            <a:off x="7126605" y="9337024"/>
+            <a:ext cx="861821" cy="0"/>
+          </a:xfrm>
+          <a:prstGeom prst="straightConnector1">
+            <a:avLst/>
+          </a:prstGeom>
+          <a:ln>
+            <a:tailEnd type="triangle"/>
+          </a:ln>
+        </p:spPr>
+        <p:style>
+          <a:lnRef idx="1">
+            <a:schemeClr val="accent1"/>
+          </a:lnRef>
+          <a:fillRef idx="0">
+            <a:schemeClr val="accent1"/>
+          </a:fillRef>
+          <a:effectRef idx="0">
+            <a:schemeClr val="accent1"/>
+          </a:effectRef>
+          <a:fontRef idx="minor">
+            <a:schemeClr val="tx1"/>
+          </a:fontRef>
+        </p:style>
+      </p:cxnSp>
+      <p:sp>
+        <p:nvSpPr>
+          <p:cNvPr id="79" name="文本框 78"/>
+          <p:cNvSpPr txBox="1"/>
+          <p:nvPr/>
+        </p:nvSpPr>
+        <p:spPr>
+          <a:xfrm>
+            <a:off x="7123747" y="8967692"/>
+            <a:ext cx="486030" cy="369332"/>
+          </a:xfrm>
+          <a:prstGeom prst="rect">
+            <a:avLst/>
+          </a:prstGeom>
+          <a:noFill/>
+        </p:spPr>
+        <p:txBody>
+          <a:bodyPr wrap="none" rtlCol="0">
+            <a:spAutoFit/>
+          </a:bodyPr>
+          <a:lstStyle/>
+          <a:p>
+            <a:r>
+              <a:rPr lang="en-US" altLang="zh-CN" dirty="0" smtClean="0"/>
+              <a:t>NO</a:t>
+            </a:r>
+            <a:endParaRPr lang="zh-CN" altLang="en-US" dirty="0"/>
+          </a:p>
+        </p:txBody>
+      </p:sp>
+      <p:sp>
+        <p:nvSpPr>
+          <p:cNvPr id="80" name="文本框 79"/>
+          <p:cNvSpPr txBox="1"/>
+          <p:nvPr/>
+        </p:nvSpPr>
+        <p:spPr>
+          <a:xfrm>
+            <a:off x="7186040" y="10682192"/>
+            <a:ext cx="486030" cy="369332"/>
+          </a:xfrm>
+          <a:prstGeom prst="rect">
+            <a:avLst/>
+          </a:prstGeom>
+          <a:noFill/>
+        </p:spPr>
+        <p:txBody>
+          <a:bodyPr wrap="none" rtlCol="0">
+            <a:spAutoFit/>
+          </a:bodyPr>
+          <a:lstStyle/>
+          <a:p>
+            <a:r>
+              <a:rPr lang="en-US" altLang="zh-CN" dirty="0" smtClean="0"/>
+              <a:t>NO</a:t>
+            </a:r>
+            <a:endParaRPr lang="zh-CN" altLang="en-US" dirty="0"/>
+          </a:p>
+        </p:txBody>
+      </p:sp>
+    </p:spTree>
+    <p:extLst>
+      <p:ext uri="{BB962C8B-B14F-4D97-AF65-F5344CB8AC3E}">
+        <p14:creationId xmlns:p14="http://schemas.microsoft.com/office/powerpoint/2010/main" val="625012481"/>
+      </p:ext>
+    </p:extLst>
+  </p:cSld>
+  <p:clrMapOvr>
+    <a:masterClrMapping/>
+  </p:clrMapOvr>
+</p:sld>
+</file>
+
 <file path=ppt/theme/theme1.xml><?xml version="1.0" encoding="utf-8"?>
 <a:theme xmlns:a="http://schemas.openxmlformats.org/drawingml/2006/main" name="Office 主题​​">
   <a:themeElements>
